--- a/cagrid-1-0/Documentation/presentations/security/gaards-arch-f2f-oct-2008.pptx
+++ b/cagrid-1-0/Documentation/presentations/security/gaards-arch-f2f-oct-2008.pptx
@@ -5,7 +5,7 @@
     <p:sldMasterId id="2147483648" r:id="rId1"/>
   </p:sldMasterIdLst>
   <p:notesMasterIdLst>
-    <p:notesMasterId r:id="rId35"/>
+    <p:notesMasterId r:id="rId40"/>
   </p:notesMasterIdLst>
   <p:sldIdLst>
     <p:sldId id="276" r:id="rId2"/>
@@ -41,6 +41,11 @@
     <p:sldId id="306" r:id="rId32"/>
     <p:sldId id="307" r:id="rId33"/>
     <p:sldId id="308" r:id="rId34"/>
+    <p:sldId id="309" r:id="rId35"/>
+    <p:sldId id="310" r:id="rId36"/>
+    <p:sldId id="311" r:id="rId37"/>
+    <p:sldId id="312" r:id="rId38"/>
+    <p:sldId id="313" r:id="rId39"/>
   </p:sldIdLst>
   <p:sldSz cx="9144000" cy="6858000" type="screen4x3"/>
   <p:notesSz cx="6858000" cy="9144000"/>
@@ -1023,6 +1028,106 @@
               <a:t>32</a:t>
             </a:fld>
             <a:endParaRPr lang="en-US"/>
+          </a:p>
+        </p:txBody>
+      </p:sp>
+    </p:spTree>
+  </p:cSld>
+  <p:clrMapOvr>
+    <a:masterClrMapping/>
+  </p:clrMapOvr>
+</p:notes>
+</file>
+
+<file path=ppt/notesSlides/notesSlide14.xml><?xml version="1.0" encoding="utf-8"?>
+<p:notes xmlns:a="http://schemas.openxmlformats.org/drawingml/2006/main" xmlns:r="http://schemas.openxmlformats.org/officeDocument/2006/relationships" xmlns:mc="http://schemas.openxmlformats.org/markup-compatibility/2006" xmlns:mv="urn:schemas-microsoft-com:mac:vml" xmlns:p="http://schemas.openxmlformats.org/presentationml/2006/main" mc:Ignorable="mv" mc:PreserveAttributes="mv:*">
+  <p:cSld>
+    <p:spTree>
+      <p:nvGrpSpPr>
+        <p:cNvPr id="1" name=""/>
+        <p:cNvGrpSpPr/>
+        <p:nvPr/>
+      </p:nvGrpSpPr>
+      <p:grpSpPr>
+        <a:xfrm>
+          <a:off x="0" y="0"/>
+          <a:ext cx="0" cy="0"/>
+          <a:chOff x="0" y="0"/>
+          <a:chExt cx="0" cy="0"/>
+        </a:xfrm>
+      </p:grpSpPr>
+      <p:sp>
+        <p:nvSpPr>
+          <p:cNvPr id="159746" name="Rectangle 7"/>
+          <p:cNvSpPr>
+            <a:spLocks noGrp="1" noChangeArrowheads="1"/>
+          </p:cNvSpPr>
+          <p:nvPr>
+            <p:ph type="sldNum" sz="quarter" idx="5"/>
+          </p:nvPr>
+        </p:nvSpPr>
+        <p:spPr/>
+        <p:txBody>
+          <a:bodyPr/>
+          <a:lstStyle/>
+          <a:p>
+            <a:fld id="{4F0C504C-16AA-9A43-A55E-C385EB0CFD05}" type="slidenum">
+              <a:rPr lang="en-US"/>
+              <a:pPr/>
+              <a:t>38</a:t>
+            </a:fld>
+            <a:endParaRPr lang="en-US"/>
+          </a:p>
+        </p:txBody>
+      </p:sp>
+      <p:sp>
+        <p:nvSpPr>
+          <p:cNvPr id="97283" name="Rectangle 2"/>
+          <p:cNvSpPr>
+            <a:spLocks noGrp="1" noRot="1" noChangeAspect="1" noChangeArrowheads="1" noTextEdit="1"/>
+          </p:cNvSpPr>
+          <p:nvPr>
+            <p:ph type="sldImg"/>
+          </p:nvPr>
+        </p:nvSpPr>
+        <p:spPr>
+          <a:xfrm>
+            <a:off x="1143000" y="685800"/>
+            <a:ext cx="4572000" cy="3429000"/>
+          </a:xfrm>
+          <a:ln/>
+        </p:spPr>
+      </p:sp>
+      <p:sp>
+        <p:nvSpPr>
+          <p:cNvPr id="97284" name="Rectangle 3"/>
+          <p:cNvSpPr>
+            <a:spLocks noGrp="1" noChangeArrowheads="1"/>
+          </p:cNvSpPr>
+          <p:nvPr>
+            <p:ph type="body" idx="1"/>
+          </p:nvPr>
+        </p:nvSpPr>
+        <p:spPr>
+          <a:xfrm>
+            <a:off x="914815" y="4343400"/>
+            <a:ext cx="5028370" cy="4114800"/>
+          </a:xfrm>
+          <a:noFill/>
+          <a:ln/>
+        </p:spPr>
+        <p:txBody>
+          <a:bodyPr/>
+          <a:lstStyle/>
+          <a:p>
+            <a:pPr eaLnBrk="1" hangingPunct="1">
+              <a:spcBef>
+                <a:spcPct val="0"/>
+              </a:spcBef>
+            </a:pPr>
+            <a:endParaRPr lang="en-US" sz="1800" dirty="0">
+              <a:latin typeface="Arial" pitchFamily="-65" charset="0"/>
+            </a:endParaRPr>
           </a:p>
         </p:txBody>
       </p:sp>
@@ -5090,8 +5195,52 @@
                 <a:ea typeface="ＭＳ Ｐゴシック" charset="-128"/>
                 <a:cs typeface="ＭＳ Ｐゴシック" charset="-128"/>
               </a:rPr>
-              <a:t>Authentication Service</a:t>
-            </a:r>
+              <a:t>Authentication </a:t>
+            </a:r>
+            <a:r>
+              <a:rPr lang="en-US" sz="2400" b="0" dirty="0" smtClean="0">
+                <a:ea typeface="ＭＳ Ｐゴシック" charset="-128"/>
+                <a:cs typeface="ＭＳ Ｐゴシック" charset="-128"/>
+              </a:rPr>
+              <a:t>Service</a:t>
+            </a:r>
+          </a:p>
+          <a:p>
+            <a:r>
+              <a:rPr lang="en-US" sz="2400" b="0" dirty="0" smtClean="0">
+                <a:ea typeface="ＭＳ Ｐゴシック" charset="-128"/>
+                <a:cs typeface="ＭＳ Ｐゴシック" charset="-128"/>
+              </a:rPr>
+              <a:t>Dorian</a:t>
+            </a:r>
+          </a:p>
+          <a:p>
+            <a:r>
+              <a:rPr lang="en-US" sz="2400" b="0" dirty="0" smtClean="0">
+                <a:ea typeface="ＭＳ Ｐゴシック" charset="-128"/>
+                <a:cs typeface="ＭＳ Ｐゴシック" charset="-128"/>
+              </a:rPr>
+              <a:t>GAARDS UI</a:t>
+            </a:r>
+          </a:p>
+          <a:p>
+            <a:r>
+              <a:rPr lang="en-US" sz="2400" b="0" dirty="0" err="1" smtClean="0">
+                <a:ea typeface="ＭＳ Ｐゴシック" charset="-128"/>
+                <a:cs typeface="ＭＳ Ｐゴシック" charset="-128"/>
+              </a:rPr>
+              <a:t>WebSSO</a:t>
+            </a:r>
+            <a:endParaRPr lang="en-US" sz="2400" b="0" dirty="0" smtClean="0">
+              <a:ea typeface="ＭＳ Ｐゴシック" charset="-128"/>
+              <a:cs typeface="ＭＳ Ｐゴシック" charset="-128"/>
+            </a:endParaRPr>
+          </a:p>
+          <a:p>
+            <a:endParaRPr lang="en-US" sz="2400" b="0" dirty="0" smtClean="0">
+              <a:ea typeface="ＭＳ Ｐゴシック" charset="-128"/>
+              <a:cs typeface="ＭＳ Ｐゴシック" charset="-128"/>
+            </a:endParaRPr>
           </a:p>
           <a:p>
             <a:pPr lvl="1">
@@ -5296,8 +5445,8 @@
         </p:blipFill>
         <p:spPr>
           <a:xfrm>
-            <a:off x="4191001" y="2590800"/>
-            <a:ext cx="4267199" cy="1905000"/>
+            <a:off x="990600" y="5105400"/>
+            <a:ext cx="3505200" cy="1564822"/>
           </a:xfrm>
           <a:prstGeom prst="rect">
             <a:avLst/>
@@ -6293,12 +6442,33 @@
                 <a:ea typeface="ＭＳ Ｐゴシック" charset="-128"/>
                 <a:cs typeface="ＭＳ Ｐゴシック" charset="-128"/>
               </a:rPr>
-              <a:t>GAARDS Overview</a:t>
-            </a:r>
-            <a:endParaRPr lang="en-US" sz="2400" b="0" dirty="0">
-              <a:ea typeface="ＭＳ Ｐゴシック" charset="-128"/>
-              <a:cs typeface="ＭＳ Ｐゴシック" charset="-128"/>
-            </a:endParaRPr>
+              <a:t>GAARDS </a:t>
+            </a:r>
+            <a:r>
+              <a:rPr lang="en-US" sz="2400" b="0" dirty="0" smtClean="0">
+                <a:ea typeface="ＭＳ Ｐゴシック" charset="-128"/>
+                <a:cs typeface="ＭＳ Ｐゴシック" charset="-128"/>
+              </a:rPr>
+              <a:t>Overview</a:t>
+            </a:r>
+          </a:p>
+          <a:p>
+            <a:r>
+              <a:rPr lang="en-US" sz="2400" b="0" dirty="0" smtClean="0">
+                <a:ea typeface="ＭＳ Ｐゴシック" charset="-128"/>
+                <a:cs typeface="ＭＳ Ｐゴシック" charset="-128"/>
+              </a:rPr>
+              <a:t>caGrid 1.3 Security Features</a:t>
+            </a:r>
+          </a:p>
+          <a:p>
+            <a:r>
+              <a:rPr lang="en-US" sz="2400" b="0" dirty="0" smtClean="0">
+                <a:ea typeface="ＭＳ Ｐゴシック" charset="-128"/>
+                <a:cs typeface="ＭＳ Ｐゴシック" charset="-128"/>
+              </a:rPr>
+              <a:t>Project Information</a:t>
+            </a:r>
           </a:p>
         </p:txBody>
       </p:sp>
@@ -9332,15 +9502,7 @@
                     <a:schemeClr val="tx1"/>
                   </a:solidFill>
                 </a:rPr>
-                <a:t>SAML</a:t>
-              </a:r>
-              <a:r>
-                <a:rPr lang="en-US" sz="1200" b="1" dirty="0" smtClean="0">
-                  <a:solidFill>
-                    <a:schemeClr val="tx1"/>
-                  </a:solidFill>
-                </a:rPr>
-                <a:t> </a:t>
+                <a:t>SAML </a:t>
               </a:r>
             </a:p>
             <a:p>
@@ -9448,15 +9610,7 @@
                     <a:schemeClr val="tx1"/>
                   </a:solidFill>
                 </a:rPr>
-                <a:t>SAML</a:t>
-              </a:r>
-              <a:r>
-                <a:rPr lang="en-US" sz="1200" b="1" dirty="0" smtClean="0">
-                  <a:solidFill>
-                    <a:schemeClr val="tx1"/>
-                  </a:solidFill>
-                </a:rPr>
-                <a:t> </a:t>
+                <a:t>SAML </a:t>
               </a:r>
             </a:p>
             <a:p>
@@ -10439,15 +10593,7 @@
                     <a:schemeClr val="tx1"/>
                   </a:solidFill>
                 </a:rPr>
-                <a:t>SAML</a:t>
-              </a:r>
-              <a:r>
-                <a:rPr lang="en-US" sz="1200" b="1" dirty="0" smtClean="0">
-                  <a:solidFill>
-                    <a:schemeClr val="tx1"/>
-                  </a:solidFill>
-                </a:rPr>
-                <a:t> </a:t>
+                <a:t>SAML </a:t>
               </a:r>
             </a:p>
             <a:p>
@@ -10555,15 +10701,7 @@
                     <a:schemeClr val="tx1"/>
                   </a:solidFill>
                 </a:rPr>
-                <a:t>SAML</a:t>
-              </a:r>
-              <a:r>
-                <a:rPr lang="en-US" sz="1200" b="1" dirty="0" smtClean="0">
-                  <a:solidFill>
-                    <a:schemeClr val="tx1"/>
-                  </a:solidFill>
-                </a:rPr>
-                <a:t> </a:t>
+                <a:t>SAML </a:t>
               </a:r>
             </a:p>
             <a:p>
@@ -11746,15 +11884,7 @@
                     <a:schemeClr val="tx1"/>
                   </a:solidFill>
                 </a:rPr>
-                <a:t>SAML</a:t>
-              </a:r>
-              <a:r>
-                <a:rPr lang="en-US" sz="1200" b="1" dirty="0" smtClean="0">
-                  <a:solidFill>
-                    <a:schemeClr val="tx1"/>
-                  </a:solidFill>
-                </a:rPr>
-                <a:t> </a:t>
+                <a:t>SAML </a:t>
               </a:r>
             </a:p>
             <a:p>
@@ -11999,11 +12129,6 @@
                 </a:rPr>
                 <a:t>Key</a:t>
               </a:r>
-              <a:endParaRPr lang="en-US" sz="1200" b="1" dirty="0" smtClean="0">
-                <a:solidFill>
-                  <a:schemeClr val="tx1"/>
-                </a:solidFill>
-              </a:endParaRPr>
             </a:p>
           </p:txBody>
         </p:sp>
@@ -12238,15 +12363,7 @@
                     <a:schemeClr val="tx1"/>
                   </a:solidFill>
                 </a:rPr>
-                <a:t>SAML</a:t>
-              </a:r>
-              <a:r>
-                <a:rPr lang="en-US" sz="1200" b="1" dirty="0" smtClean="0">
-                  <a:solidFill>
-                    <a:schemeClr val="tx1"/>
-                  </a:solidFill>
-                </a:rPr>
-                <a:t> </a:t>
+                <a:t>SAML </a:t>
               </a:r>
             </a:p>
             <a:p>
@@ -12391,11 +12508,6 @@
                 </a:rPr>
                 <a:t>Key</a:t>
               </a:r>
-              <a:endParaRPr lang="en-US" sz="1200" b="1" dirty="0" smtClean="0">
-                <a:solidFill>
-                  <a:schemeClr val="tx1"/>
-                </a:solidFill>
-              </a:endParaRPr>
             </a:p>
           </p:txBody>
         </p:sp>
@@ -13349,15 +13461,7 @@
                     <a:schemeClr val="tx1"/>
                   </a:solidFill>
                 </a:rPr>
-                <a:t>SAML</a:t>
-              </a:r>
-              <a:r>
-                <a:rPr lang="en-US" sz="1200" b="1" dirty="0" smtClean="0">
-                  <a:solidFill>
-                    <a:schemeClr val="tx1"/>
-                  </a:solidFill>
-                </a:rPr>
-                <a:t> </a:t>
+                <a:t>SAML </a:t>
               </a:r>
             </a:p>
             <a:p>
@@ -13602,11 +13706,6 @@
                 </a:rPr>
                 <a:t>Key</a:t>
               </a:r>
-              <a:endParaRPr lang="en-US" sz="1200" b="1" dirty="0" smtClean="0">
-                <a:solidFill>
-                  <a:schemeClr val="tx1"/>
-                </a:solidFill>
-              </a:endParaRPr>
             </a:p>
           </p:txBody>
         </p:sp>
@@ -13841,15 +13940,7 @@
                     <a:schemeClr val="tx1"/>
                   </a:solidFill>
                 </a:rPr>
-                <a:t>SAML</a:t>
-              </a:r>
-              <a:r>
-                <a:rPr lang="en-US" sz="1200" b="1" dirty="0" smtClean="0">
-                  <a:solidFill>
-                    <a:schemeClr val="tx1"/>
-                  </a:solidFill>
-                </a:rPr>
-                <a:t> </a:t>
+                <a:t>SAML </a:t>
               </a:r>
             </a:p>
             <a:p>
@@ -13994,11 +14085,6 @@
                 </a:rPr>
                 <a:t>Key</a:t>
               </a:r>
-              <a:endParaRPr lang="en-US" sz="1200" b="1" dirty="0" smtClean="0">
-                <a:solidFill>
-                  <a:schemeClr val="tx1"/>
-                </a:solidFill>
-              </a:endParaRPr>
             </a:p>
           </p:txBody>
         </p:sp>
@@ -15089,15 +15175,7 @@
                     <a:schemeClr val="tx1"/>
                   </a:solidFill>
                 </a:rPr>
-                <a:t>SAML</a:t>
-              </a:r>
-              <a:r>
-                <a:rPr lang="en-US" sz="1200" b="1" dirty="0" smtClean="0">
-                  <a:solidFill>
-                    <a:schemeClr val="tx1"/>
-                  </a:solidFill>
-                </a:rPr>
-                <a:t> </a:t>
+                <a:t>SAML </a:t>
               </a:r>
             </a:p>
             <a:p>
@@ -15342,11 +15420,6 @@
                 </a:rPr>
                 <a:t>Key</a:t>
               </a:r>
-              <a:endParaRPr lang="en-US" sz="1200" b="1" dirty="0" smtClean="0">
-                <a:solidFill>
-                  <a:schemeClr val="tx1"/>
-                </a:solidFill>
-              </a:endParaRPr>
             </a:p>
           </p:txBody>
         </p:sp>
@@ -15581,15 +15654,7 @@
                     <a:schemeClr val="tx1"/>
                   </a:solidFill>
                 </a:rPr>
-                <a:t>SAML</a:t>
-              </a:r>
-              <a:r>
-                <a:rPr lang="en-US" sz="1200" b="1" dirty="0" smtClean="0">
-                  <a:solidFill>
-                    <a:schemeClr val="tx1"/>
-                  </a:solidFill>
-                </a:rPr>
-                <a:t> </a:t>
+                <a:t>SAML </a:t>
               </a:r>
             </a:p>
             <a:p>
@@ -15734,11 +15799,6 @@
                 </a:rPr>
                 <a:t>Key</a:t>
               </a:r>
-              <a:endParaRPr lang="en-US" sz="1200" b="1" dirty="0" smtClean="0">
-                <a:solidFill>
-                  <a:schemeClr val="tx1"/>
-                </a:solidFill>
-              </a:endParaRPr>
             </a:p>
           </p:txBody>
         </p:sp>
@@ -15838,11 +15898,6 @@
                 </a:rPr>
                 <a:t>Private Key</a:t>
               </a:r>
-              <a:endParaRPr lang="en-US" sz="1200" b="1" dirty="0" smtClean="0">
-                <a:solidFill>
-                  <a:schemeClr val="tx1"/>
-                </a:solidFill>
-              </a:endParaRPr>
             </a:p>
           </p:txBody>
         </p:sp>
@@ -15942,11 +15997,6 @@
                 </a:rPr>
                 <a:t>Private Key</a:t>
               </a:r>
-              <a:endParaRPr lang="en-US" sz="1200" b="1" dirty="0" smtClean="0">
-                <a:solidFill>
-                  <a:schemeClr val="tx1"/>
-                </a:solidFill>
-              </a:endParaRPr>
             </a:p>
           </p:txBody>
         </p:sp>
@@ -16046,11 +16096,6 @@
                 </a:rPr>
                 <a:t>Private Key</a:t>
               </a:r>
-              <a:endParaRPr lang="en-US" sz="1200" b="1" dirty="0" smtClean="0">
-                <a:solidFill>
-                  <a:schemeClr val="tx1"/>
-                </a:solidFill>
-              </a:endParaRPr>
             </a:p>
           </p:txBody>
         </p:sp>
@@ -17188,15 +17233,7 @@
                     <a:schemeClr val="tx1"/>
                   </a:solidFill>
                 </a:rPr>
-                <a:t>SAML</a:t>
-              </a:r>
-              <a:r>
-                <a:rPr lang="en-US" sz="1200" b="1" dirty="0" smtClean="0">
-                  <a:solidFill>
-                    <a:schemeClr val="tx1"/>
-                  </a:solidFill>
-                </a:rPr>
-                <a:t> </a:t>
+                <a:t>SAML </a:t>
               </a:r>
             </a:p>
             <a:p>
@@ -17441,11 +17478,6 @@
                 </a:rPr>
                 <a:t>Key</a:t>
               </a:r>
-              <a:endParaRPr lang="en-US" sz="1200" b="1" dirty="0" smtClean="0">
-                <a:solidFill>
-                  <a:schemeClr val="tx1"/>
-                </a:solidFill>
-              </a:endParaRPr>
             </a:p>
           </p:txBody>
         </p:sp>
@@ -17680,15 +17712,7 @@
                     <a:schemeClr val="tx1"/>
                   </a:solidFill>
                 </a:rPr>
-                <a:t>SAML</a:t>
-              </a:r>
-              <a:r>
-                <a:rPr lang="en-US" sz="1200" b="1" dirty="0" smtClean="0">
-                  <a:solidFill>
-                    <a:schemeClr val="tx1"/>
-                  </a:solidFill>
-                </a:rPr>
-                <a:t> </a:t>
+                <a:t>SAML </a:t>
               </a:r>
             </a:p>
             <a:p>
@@ -17833,11 +17857,6 @@
                 </a:rPr>
                 <a:t>Key</a:t>
               </a:r>
-              <a:endParaRPr lang="en-US" sz="1200" b="1" dirty="0" smtClean="0">
-                <a:solidFill>
-                  <a:schemeClr val="tx1"/>
-                </a:solidFill>
-              </a:endParaRPr>
             </a:p>
           </p:txBody>
         </p:sp>
@@ -17937,11 +17956,6 @@
                 </a:rPr>
                 <a:t>Private Key</a:t>
               </a:r>
-              <a:endParaRPr lang="en-US" sz="1200" b="1" dirty="0" smtClean="0">
-                <a:solidFill>
-                  <a:schemeClr val="tx1"/>
-                </a:solidFill>
-              </a:endParaRPr>
             </a:p>
           </p:txBody>
         </p:sp>
@@ -18041,11 +18055,6 @@
                 </a:rPr>
                 <a:t>Private Key</a:t>
               </a:r>
-              <a:endParaRPr lang="en-US" sz="1200" b="1" dirty="0" smtClean="0">
-                <a:solidFill>
-                  <a:schemeClr val="tx1"/>
-                </a:solidFill>
-              </a:endParaRPr>
             </a:p>
           </p:txBody>
         </p:sp>
@@ -18145,11 +18154,6 @@
                 </a:rPr>
                 <a:t>Private Key</a:t>
               </a:r>
-              <a:endParaRPr lang="en-US" sz="1200" b="1" dirty="0" smtClean="0">
-                <a:solidFill>
-                  <a:schemeClr val="tx1"/>
-                </a:solidFill>
-              </a:endParaRPr>
             </a:p>
           </p:txBody>
         </p:sp>
@@ -18525,11 +18529,6 @@
                 </a:rPr>
                 <a:t>Short Term</a:t>
               </a:r>
-              <a:endParaRPr lang="en-US" sz="1200" b="1" dirty="0" smtClean="0">
-                <a:solidFill>
-                  <a:schemeClr val="tx1"/>
-                </a:solidFill>
-              </a:endParaRPr>
             </a:p>
             <a:p>
               <a:pPr algn="ctr"/>
@@ -20117,11 +20116,6 @@
                 </a:rPr>
                 <a:t>Short Term</a:t>
               </a:r>
-              <a:endParaRPr lang="en-US" sz="1200" b="1" dirty="0" smtClean="0">
-                <a:solidFill>
-                  <a:schemeClr val="tx1"/>
-                </a:solidFill>
-              </a:endParaRPr>
             </a:p>
             <a:p>
               <a:pPr algn="ctr"/>
@@ -21612,11 +21606,6 @@
                 </a:rPr>
                 <a:t>Short Term</a:t>
               </a:r>
-              <a:endParaRPr lang="en-US" sz="1200" b="1" dirty="0" smtClean="0">
-                <a:solidFill>
-                  <a:schemeClr val="tx1"/>
-                </a:solidFill>
-              </a:endParaRPr>
             </a:p>
             <a:p>
               <a:pPr algn="ctr"/>
@@ -22894,11 +22883,6 @@
                 </a:rPr>
                 <a:t>Short Term</a:t>
               </a:r>
-              <a:endParaRPr lang="en-US" sz="1200" b="1" dirty="0" smtClean="0">
-                <a:solidFill>
-                  <a:schemeClr val="tx1"/>
-                </a:solidFill>
-              </a:endParaRPr>
             </a:p>
             <a:p>
               <a:pPr algn="ctr"/>
@@ -24176,11 +24160,6 @@
                 </a:rPr>
                 <a:t>Short Term</a:t>
               </a:r>
-              <a:endParaRPr lang="en-US" sz="1200" b="1" dirty="0" smtClean="0">
-                <a:solidFill>
-                  <a:schemeClr val="tx1"/>
-                </a:solidFill>
-              </a:endParaRPr>
             </a:p>
             <a:p>
               <a:pPr algn="ctr"/>
@@ -24359,6 +24338,186 @@
             </a:r>
           </a:p>
           <a:p>
+            <a:pPr lvl="1"/>
+            <a:r>
+              <a:rPr lang="en-US" sz="2400" dirty="0" smtClean="0">
+                <a:cs typeface="ＭＳ Ｐゴシック" charset="-128"/>
+              </a:rPr>
+              <a:t>Record of most interactions with Dorian will be maintained.</a:t>
+            </a:r>
+          </a:p>
+          <a:p>
+            <a:pPr lvl="1"/>
+            <a:r>
+              <a:rPr lang="en-US" sz="2400" dirty="0" smtClean="0">
+                <a:ea typeface="ＭＳ Ｐゴシック" charset="-128"/>
+                <a:cs typeface="ＭＳ Ｐゴシック" charset="-128"/>
+              </a:rPr>
+              <a:t>Gives administrators big picture, enhancing overall security</a:t>
+            </a:r>
+          </a:p>
+          <a:p>
+            <a:pPr lvl="1"/>
+            <a:r>
+              <a:rPr lang="en-US" sz="2400" dirty="0" smtClean="0">
+                <a:cs typeface="ＭＳ Ｐゴシック" charset="-128"/>
+              </a:rPr>
+              <a:t>Helps administrators debug user issues</a:t>
+            </a:r>
+          </a:p>
+          <a:p>
+            <a:pPr lvl="1"/>
+            <a:r>
+              <a:rPr lang="en-US" sz="2400" dirty="0" smtClean="0">
+                <a:cs typeface="ＭＳ Ｐゴシック" charset="-128"/>
+              </a:rPr>
+              <a:t>Helps in obtaining 21CFR11 compliance</a:t>
+            </a:r>
+          </a:p>
+          <a:p>
+            <a:pPr lvl="1"/>
+            <a:r>
+              <a:rPr lang="en-US" sz="2400" dirty="0" smtClean="0">
+                <a:cs typeface="ＭＳ Ｐゴシック" charset="-128"/>
+              </a:rPr>
+              <a:t>Auditing framework is extensible</a:t>
+            </a:r>
+          </a:p>
+          <a:p>
+            <a:pPr lvl="2"/>
+            <a:r>
+              <a:rPr lang="en-US" sz="2200" dirty="0" smtClean="0">
+                <a:ea typeface="ＭＳ Ｐゴシック" charset="-128"/>
+                <a:cs typeface="ＭＳ Ｐゴシック" charset="-128"/>
+              </a:rPr>
+              <a:t>Can develop and plug-in modules for handling events</a:t>
+            </a:r>
+          </a:p>
+          <a:p>
+            <a:pPr lvl="3"/>
+            <a:r>
+              <a:rPr lang="en-US" sz="2000" dirty="0" smtClean="0">
+                <a:cs typeface="ＭＳ Ｐゴシック" charset="-128"/>
+              </a:rPr>
+              <a:t>Email notification</a:t>
+            </a:r>
+          </a:p>
+          <a:p>
+            <a:pPr lvl="3"/>
+            <a:r>
+              <a:rPr lang="en-US" sz="2000" dirty="0" smtClean="0">
+                <a:ea typeface="ＭＳ Ｐゴシック" charset="-128"/>
+                <a:cs typeface="ＭＳ Ｐゴシック" charset="-128"/>
+              </a:rPr>
+              <a:t>AIM notification</a:t>
+            </a:r>
+          </a:p>
+          <a:p>
+            <a:pPr lvl="3"/>
+            <a:r>
+              <a:rPr lang="en-US" sz="2000" dirty="0" smtClean="0">
+                <a:cs typeface="ＭＳ Ｐゴシック" charset="-128"/>
+              </a:rPr>
+              <a:t>Text Message Notification</a:t>
+            </a:r>
+            <a:endParaRPr lang="en-US" sz="2000" dirty="0" smtClean="0">
+              <a:ea typeface="ＭＳ Ｐゴシック" charset="-128"/>
+              <a:cs typeface="ＭＳ Ｐゴシック" charset="-128"/>
+            </a:endParaRPr>
+          </a:p>
+          <a:p>
+            <a:pPr lvl="1">
+              <a:buNone/>
+            </a:pPr>
+            <a:endParaRPr lang="en-US" sz="2400" b="0" dirty="0" smtClean="0">
+              <a:ea typeface="ＭＳ Ｐゴシック" charset="-128"/>
+              <a:cs typeface="ＭＳ Ｐゴシック" charset="-128"/>
+            </a:endParaRPr>
+          </a:p>
+          <a:p>
+            <a:endParaRPr lang="en-US" sz="2400" b="0" dirty="0">
+              <a:ea typeface="ＭＳ Ｐゴシック" charset="-128"/>
+              <a:cs typeface="ＭＳ Ｐゴシック" charset="-128"/>
+            </a:endParaRPr>
+          </a:p>
+        </p:txBody>
+      </p:sp>
+    </p:spTree>
+  </p:cSld>
+  <p:clrMapOvr>
+    <a:masterClrMapping/>
+  </p:clrMapOvr>
+  <p:timing>
+    <p:tnLst>
+      <p:par>
+        <p:cTn id="1" dur="indefinite" restart="never" nodeType="tmRoot"/>
+      </p:par>
+    </p:tnLst>
+  </p:timing>
+</p:sld>
+</file>
+
+<file path=ppt/slides/slide34.xml><?xml version="1.0" encoding="utf-8"?>
+<p:sld xmlns:a="http://schemas.openxmlformats.org/drawingml/2006/main" xmlns:r="http://schemas.openxmlformats.org/officeDocument/2006/relationships" xmlns:mc="http://schemas.openxmlformats.org/markup-compatibility/2006" xmlns:mv="urn:schemas-microsoft-com:mac:vml" xmlns:p="http://schemas.openxmlformats.org/presentationml/2006/main" mc:Ignorable="mv" mc:PreserveAttributes="mv:*">
+  <p:cSld>
+    <p:spTree>
+      <p:nvGrpSpPr>
+        <p:cNvPr id="1" name=""/>
+        <p:cNvGrpSpPr/>
+        <p:nvPr/>
+      </p:nvGrpSpPr>
+      <p:grpSpPr>
+        <a:xfrm>
+          <a:off x="0" y="0"/>
+          <a:ext cx="0" cy="0"/>
+          <a:chOff x="0" y="0"/>
+          <a:chExt cx="0" cy="0"/>
+        </a:xfrm>
+      </p:grpSpPr>
+      <p:sp>
+        <p:nvSpPr>
+          <p:cNvPr id="15362" name="Title 1"/>
+          <p:cNvSpPr>
+            <a:spLocks noGrp="1"/>
+          </p:cNvSpPr>
+          <p:nvPr>
+            <p:ph type="title"/>
+          </p:nvPr>
+        </p:nvSpPr>
+        <p:spPr/>
+        <p:txBody>
+          <a:bodyPr/>
+          <a:lstStyle/>
+          <a:p>
+            <a:r>
+              <a:rPr lang="en-US" dirty="0" smtClean="0">
+                <a:ea typeface="ＭＳ Ｐゴシック" charset="-128"/>
+                <a:cs typeface="ＭＳ Ｐゴシック" charset="-128"/>
+              </a:rPr>
+              <a:t>Dorian (1.3)</a:t>
+            </a:r>
+            <a:endParaRPr lang="en-US" dirty="0">
+              <a:ea typeface="ＭＳ Ｐゴシック" charset="-128"/>
+              <a:cs typeface="ＭＳ Ｐゴシック" charset="-128"/>
+            </a:endParaRPr>
+          </a:p>
+        </p:txBody>
+      </p:sp>
+      <p:sp>
+        <p:nvSpPr>
+          <p:cNvPr id="15363" name="Content Placeholder 2"/>
+          <p:cNvSpPr>
+            <a:spLocks noGrp="1"/>
+          </p:cNvSpPr>
+          <p:nvPr>
+            <p:ph idx="1"/>
+          </p:nvPr>
+        </p:nvSpPr>
+        <p:spPr/>
+        <p:txBody>
+          <a:bodyPr vert="horz"/>
+          <a:lstStyle/>
+          <a:p>
             <a:r>
               <a:rPr lang="en-US" sz="2400" dirty="0" smtClean="0">
                 <a:solidFill>
@@ -24369,12 +24528,452 @@
                 <a:ea typeface="ＭＳ Ｐゴシック" charset="-128"/>
                 <a:cs typeface="ＭＳ Ｐゴシック" charset="-128"/>
               </a:rPr>
-              <a:t>Client API</a:t>
-            </a:r>
-          </a:p>
-          <a:p>
-            <a:r>
-              <a:rPr lang="en-US" sz="2400" smtClean="0">
+              <a:t>Host Certificate Changes</a:t>
+            </a:r>
+          </a:p>
+          <a:p>
+            <a:pPr lvl="1"/>
+            <a:r>
+              <a:rPr lang="en-US" sz="2400" dirty="0" smtClean="0">
+                <a:solidFill>
+                  <a:srgbClr val="000000"/>
+                </a:solidFill>
+                <a:cs typeface="ＭＳ Ｐゴシック" charset="-128"/>
+              </a:rPr>
+              <a:t>Currently Dorian uses the </a:t>
+            </a:r>
+            <a:r>
+              <a:rPr lang="en-US" sz="2400" dirty="0" err="1" smtClean="0">
+                <a:solidFill>
+                  <a:srgbClr val="000000"/>
+                </a:solidFill>
+                <a:cs typeface="ＭＳ Ｐゴシック" charset="-128"/>
+              </a:rPr>
+              <a:t>Globus</a:t>
+            </a:r>
+            <a:r>
+              <a:rPr lang="en-US" sz="2400" dirty="0" smtClean="0">
+                <a:solidFill>
+                  <a:srgbClr val="000000"/>
+                </a:solidFill>
+                <a:cs typeface="ＭＳ Ｐゴシック" charset="-128"/>
+              </a:rPr>
+              <a:t> approach for issuing the subject of host certificates.</a:t>
+            </a:r>
+          </a:p>
+          <a:p>
+            <a:pPr lvl="2"/>
+            <a:r>
+              <a:rPr lang="en-US" sz="2200" dirty="0" smtClean="0">
+                <a:solidFill>
+                  <a:srgbClr val="000000"/>
+                </a:solidFill>
+                <a:cs typeface="ＭＳ Ｐゴシック" charset="-128"/>
+              </a:rPr>
+              <a:t>Web browsers and other applications are not familiar with this approach and reject these certificates.</a:t>
+            </a:r>
+          </a:p>
+          <a:p>
+            <a:pPr lvl="1"/>
+            <a:r>
+              <a:rPr lang="en-US" sz="2400" dirty="0" smtClean="0">
+                <a:solidFill>
+                  <a:srgbClr val="000000"/>
+                </a:solidFill>
+                <a:cs typeface="ＭＳ Ｐゴシック" charset="-128"/>
+              </a:rPr>
+              <a:t>The issued subject for host certificates will be changed from the </a:t>
+            </a:r>
+            <a:r>
+              <a:rPr lang="en-US" sz="2400" dirty="0" err="1" smtClean="0">
+                <a:solidFill>
+                  <a:srgbClr val="000000"/>
+                </a:solidFill>
+                <a:cs typeface="ＭＳ Ｐゴシック" charset="-128"/>
+              </a:rPr>
+              <a:t>Globus</a:t>
+            </a:r>
+            <a:r>
+              <a:rPr lang="en-US" sz="2400" dirty="0" smtClean="0">
+                <a:solidFill>
+                  <a:srgbClr val="000000"/>
+                </a:solidFill>
+                <a:cs typeface="ＭＳ Ｐゴシック" charset="-128"/>
+              </a:rPr>
+              <a:t> method to the more standard method expected by today’s web browsers.</a:t>
+            </a:r>
+          </a:p>
+          <a:p>
+            <a:pPr lvl="1"/>
+            <a:r>
+              <a:rPr lang="en-US" sz="2400" dirty="0" smtClean="0">
+                <a:solidFill>
+                  <a:srgbClr val="000000"/>
+                </a:solidFill>
+                <a:cs typeface="ＭＳ Ｐゴシック" charset="-128"/>
+              </a:rPr>
+              <a:t>Example</a:t>
+            </a:r>
+          </a:p>
+          <a:p>
+            <a:pPr lvl="2"/>
+            <a:r>
+              <a:rPr lang="en-US" sz="1800" dirty="0" smtClean="0">
+                <a:solidFill>
+                  <a:srgbClr val="000000"/>
+                </a:solidFill>
+                <a:cs typeface="ＭＳ Ｐゴシック" charset="-128"/>
+              </a:rPr>
+              <a:t>O</a:t>
+            </a:r>
+            <a:r>
+              <a:rPr lang="en-US" sz="1800" dirty="0" smtClean="0">
+                <a:solidFill>
+                  <a:srgbClr val="000000"/>
+                </a:solidFill>
+                <a:cs typeface="ＭＳ Ｐゴシック" charset="-128"/>
+              </a:rPr>
+              <a:t>=</a:t>
+            </a:r>
+            <a:r>
+              <a:rPr lang="en-US" sz="1800" dirty="0" err="1" smtClean="0">
+                <a:solidFill>
+                  <a:srgbClr val="000000"/>
+                </a:solidFill>
+                <a:cs typeface="ＭＳ Ｐゴシック" charset="-128"/>
+              </a:rPr>
+              <a:t>caBIG,OU</a:t>
+            </a:r>
+            <a:r>
+              <a:rPr lang="en-US" sz="1800" dirty="0" smtClean="0">
+                <a:solidFill>
+                  <a:srgbClr val="000000"/>
+                </a:solidFill>
+                <a:cs typeface="ＭＳ Ｐゴシック" charset="-128"/>
+              </a:rPr>
+              <a:t>=</a:t>
+            </a:r>
+            <a:r>
+              <a:rPr lang="en-US" sz="1800" dirty="0" err="1" smtClean="0">
+                <a:solidFill>
+                  <a:srgbClr val="000000"/>
+                </a:solidFill>
+                <a:cs typeface="ＭＳ Ｐゴシック" charset="-128"/>
+              </a:rPr>
+              <a:t>caGrid,OU</a:t>
+            </a:r>
+            <a:r>
+              <a:rPr lang="en-US" sz="1800" dirty="0" smtClean="0">
+                <a:solidFill>
+                  <a:srgbClr val="000000"/>
+                </a:solidFill>
+                <a:cs typeface="ＭＳ Ｐゴシック" charset="-128"/>
+              </a:rPr>
+              <a:t>=</a:t>
+            </a:r>
+            <a:r>
+              <a:rPr lang="en-US" sz="1800" dirty="0" err="1" smtClean="0">
+                <a:solidFill>
+                  <a:srgbClr val="000000"/>
+                </a:solidFill>
+                <a:cs typeface="ＭＳ Ｐゴシック" charset="-128"/>
+              </a:rPr>
+              <a:t>Training,OU</a:t>
+            </a:r>
+            <a:r>
+              <a:rPr lang="en-US" sz="1800" dirty="0" smtClean="0">
+                <a:solidFill>
+                  <a:srgbClr val="000000"/>
+                </a:solidFill>
+                <a:cs typeface="ＭＳ Ｐゴシック" charset="-128"/>
+              </a:rPr>
+              <a:t>=</a:t>
+            </a:r>
+            <a:r>
+              <a:rPr lang="en-US" sz="1800" dirty="0" err="1" smtClean="0">
+                <a:solidFill>
+                  <a:srgbClr val="000000"/>
+                </a:solidFill>
+                <a:cs typeface="ＭＳ Ｐゴシック" charset="-128"/>
+              </a:rPr>
+              <a:t>Services,</a:t>
+            </a:r>
+            <a:r>
+              <a:rPr lang="en-US" sz="1800" b="1" dirty="0" err="1" smtClean="0">
+                <a:solidFill>
+                  <a:srgbClr val="000000"/>
+                </a:solidFill>
+                <a:cs typeface="ＭＳ Ｐゴシック" charset="-128"/>
+              </a:rPr>
+              <a:t>CN</a:t>
+            </a:r>
+            <a:r>
+              <a:rPr lang="en-US" sz="1800" b="1" dirty="0" smtClean="0">
+                <a:solidFill>
+                  <a:srgbClr val="000000"/>
+                </a:solidFill>
+                <a:cs typeface="ＭＳ Ｐゴシック" charset="-128"/>
+              </a:rPr>
+              <a:t>=host/</a:t>
+            </a:r>
+            <a:r>
+              <a:rPr lang="en-US" sz="1800" b="1" dirty="0" err="1" smtClean="0">
+                <a:solidFill>
+                  <a:srgbClr val="000000"/>
+                </a:solidFill>
+                <a:cs typeface="ＭＳ Ｐゴシック" charset="-128"/>
+              </a:rPr>
+              <a:t>dorian.training.cagrid.</a:t>
+            </a:r>
+            <a:r>
+              <a:rPr lang="en-US" sz="1800" b="1" dirty="0" err="1" smtClean="0">
+                <a:solidFill>
+                  <a:srgbClr val="000000"/>
+                </a:solidFill>
+                <a:cs typeface="ＭＳ Ｐゴシック" charset="-128"/>
+              </a:rPr>
+              <a:t>org</a:t>
+            </a:r>
+            <a:endParaRPr lang="en-US" sz="1800" b="1" dirty="0" smtClean="0">
+              <a:solidFill>
+                <a:srgbClr val="000000"/>
+              </a:solidFill>
+              <a:cs typeface="ＭＳ Ｐゴシック" charset="-128"/>
+            </a:endParaRPr>
+          </a:p>
+          <a:p>
+            <a:pPr lvl="2"/>
+            <a:r>
+              <a:rPr lang="en-US" sz="1800" dirty="0" smtClean="0">
+                <a:solidFill>
+                  <a:srgbClr val="000000"/>
+                </a:solidFill>
+                <a:cs typeface="ＭＳ Ｐゴシック" charset="-128"/>
+              </a:rPr>
+              <a:t>O</a:t>
+            </a:r>
+            <a:r>
+              <a:rPr lang="en-US" sz="1800" dirty="0" smtClean="0">
+                <a:solidFill>
+                  <a:srgbClr val="000000"/>
+                </a:solidFill>
+                <a:cs typeface="ＭＳ Ｐゴシック" charset="-128"/>
+              </a:rPr>
+              <a:t>=</a:t>
+            </a:r>
+            <a:r>
+              <a:rPr lang="en-US" sz="1800" dirty="0" err="1" smtClean="0">
+                <a:solidFill>
+                  <a:srgbClr val="000000"/>
+                </a:solidFill>
+                <a:cs typeface="ＭＳ Ｐゴシック" charset="-128"/>
+              </a:rPr>
+              <a:t>caBIG,OU</a:t>
+            </a:r>
+            <a:r>
+              <a:rPr lang="en-US" sz="1800" dirty="0" smtClean="0">
+                <a:solidFill>
+                  <a:srgbClr val="000000"/>
+                </a:solidFill>
+                <a:cs typeface="ＭＳ Ｐゴシック" charset="-128"/>
+              </a:rPr>
+              <a:t>=</a:t>
+            </a:r>
+            <a:r>
+              <a:rPr lang="en-US" sz="1800" dirty="0" err="1" smtClean="0">
+                <a:solidFill>
+                  <a:srgbClr val="000000"/>
+                </a:solidFill>
+                <a:cs typeface="ＭＳ Ｐゴシック" charset="-128"/>
+              </a:rPr>
+              <a:t>caGrid</a:t>
+            </a:r>
+            <a:r>
+              <a:rPr lang="en-US" sz="1800" dirty="0" err="1" smtClean="0">
+                <a:solidFill>
+                  <a:srgbClr val="000000"/>
+                </a:solidFill>
+                <a:cs typeface="ＭＳ Ｐゴシック" charset="-128"/>
+              </a:rPr>
+              <a:t>,</a:t>
+            </a:r>
+            <a:r>
+              <a:rPr lang="en-US" sz="1800" dirty="0" err="1" smtClean="0">
+                <a:solidFill>
+                  <a:srgbClr val="000000"/>
+                </a:solidFill>
+                <a:cs typeface="ＭＳ Ｐゴシック" charset="-128"/>
+              </a:rPr>
+              <a:t>OU</a:t>
+            </a:r>
+            <a:r>
+              <a:rPr lang="en-US" sz="1800" dirty="0" smtClean="0">
+                <a:solidFill>
+                  <a:srgbClr val="000000"/>
+                </a:solidFill>
+                <a:cs typeface="ＭＳ Ｐゴシック" charset="-128"/>
+              </a:rPr>
+              <a:t>=</a:t>
+            </a:r>
+            <a:r>
+              <a:rPr lang="en-US" sz="1800" dirty="0" err="1" smtClean="0">
+                <a:solidFill>
+                  <a:srgbClr val="000000"/>
+                </a:solidFill>
+                <a:cs typeface="ＭＳ Ｐゴシック" charset="-128"/>
+              </a:rPr>
+              <a:t>Services,</a:t>
+            </a:r>
+            <a:r>
+              <a:rPr lang="en-US" sz="1800" b="1" dirty="0" err="1" smtClean="0">
+                <a:solidFill>
+                  <a:srgbClr val="000000"/>
+                </a:solidFill>
+                <a:cs typeface="ＭＳ Ｐゴシック" charset="-128"/>
+              </a:rPr>
+              <a:t>CN</a:t>
+            </a:r>
+            <a:r>
+              <a:rPr lang="en-US" sz="1800" b="1" dirty="0" smtClean="0">
+                <a:solidFill>
+                  <a:srgbClr val="000000"/>
+                </a:solidFill>
+                <a:cs typeface="ＭＳ Ｐゴシック" charset="-128"/>
+              </a:rPr>
+              <a:t>=</a:t>
+            </a:r>
+            <a:r>
+              <a:rPr lang="en-US" sz="1800" b="1" dirty="0" err="1" smtClean="0">
+                <a:solidFill>
+                  <a:srgbClr val="000000"/>
+                </a:solidFill>
+                <a:cs typeface="ＭＳ Ｐゴシック" charset="-128"/>
+              </a:rPr>
+              <a:t>dorian</a:t>
+            </a:r>
+            <a:r>
+              <a:rPr lang="en-US" sz="1800" b="1" dirty="0" err="1" smtClean="0">
+                <a:solidFill>
+                  <a:srgbClr val="000000"/>
+                </a:solidFill>
+                <a:cs typeface="ＭＳ Ｐゴシック" charset="-128"/>
+              </a:rPr>
+              <a:t>.training.cagrid.org</a:t>
+            </a:r>
+            <a:endParaRPr lang="en-US" sz="1800" b="1" dirty="0" smtClean="0">
+              <a:solidFill>
+                <a:srgbClr val="000000"/>
+              </a:solidFill>
+              <a:cs typeface="ＭＳ Ｐゴシック" charset="-128"/>
+            </a:endParaRPr>
+          </a:p>
+          <a:p>
+            <a:pPr lvl="1"/>
+            <a:endParaRPr lang="en-US" sz="2000" dirty="0" smtClean="0">
+              <a:solidFill>
+                <a:schemeClr val="accent6">
+                  <a:lumMod val="75000"/>
+                </a:schemeClr>
+              </a:solidFill>
+              <a:ea typeface="ＭＳ Ｐゴシック" charset="-128"/>
+              <a:cs typeface="ＭＳ Ｐゴシック" charset="-128"/>
+            </a:endParaRPr>
+          </a:p>
+          <a:p>
+            <a:pPr lvl="1">
+              <a:buNone/>
+            </a:pPr>
+            <a:endParaRPr lang="en-US" sz="2400" b="0" dirty="0" smtClean="0">
+              <a:ea typeface="ＭＳ Ｐゴシック" charset="-128"/>
+              <a:cs typeface="ＭＳ Ｐゴシック" charset="-128"/>
+            </a:endParaRPr>
+          </a:p>
+          <a:p>
+            <a:endParaRPr lang="en-US" sz="2400" b="0" dirty="0">
+              <a:ea typeface="ＭＳ Ｐゴシック" charset="-128"/>
+              <a:cs typeface="ＭＳ Ｐゴシック" charset="-128"/>
+            </a:endParaRPr>
+          </a:p>
+        </p:txBody>
+      </p:sp>
+    </p:spTree>
+  </p:cSld>
+  <p:clrMapOvr>
+    <a:masterClrMapping/>
+  </p:clrMapOvr>
+  <p:timing>
+    <p:tnLst>
+      <p:par>
+        <p:cTn id="1" dur="indefinite" restart="never" nodeType="tmRoot"/>
+      </p:par>
+    </p:tnLst>
+  </p:timing>
+</p:sld>
+</file>
+
+<file path=ppt/slides/slide35.xml><?xml version="1.0" encoding="utf-8"?>
+<p:sld xmlns:a="http://schemas.openxmlformats.org/drawingml/2006/main" xmlns:r="http://schemas.openxmlformats.org/officeDocument/2006/relationships" xmlns:mc="http://schemas.openxmlformats.org/markup-compatibility/2006" xmlns:mv="urn:schemas-microsoft-com:mac:vml" xmlns:p="http://schemas.openxmlformats.org/presentationml/2006/main" mc:Ignorable="mv" mc:PreserveAttributes="mv:*">
+  <p:cSld>
+    <p:spTree>
+      <p:nvGrpSpPr>
+        <p:cNvPr id="1" name=""/>
+        <p:cNvGrpSpPr/>
+        <p:nvPr/>
+      </p:nvGrpSpPr>
+      <p:grpSpPr>
+        <a:xfrm>
+          <a:off x="0" y="0"/>
+          <a:ext cx="0" cy="0"/>
+          <a:chOff x="0" y="0"/>
+          <a:chExt cx="0" cy="0"/>
+        </a:xfrm>
+      </p:grpSpPr>
+      <p:sp>
+        <p:nvSpPr>
+          <p:cNvPr id="15362" name="Title 1"/>
+          <p:cNvSpPr>
+            <a:spLocks noGrp="1"/>
+          </p:cNvSpPr>
+          <p:nvPr>
+            <p:ph type="title"/>
+          </p:nvPr>
+        </p:nvSpPr>
+        <p:spPr/>
+        <p:txBody>
+          <a:bodyPr/>
+          <a:lstStyle/>
+          <a:p>
+            <a:r>
+              <a:rPr lang="en-US" dirty="0" smtClean="0">
+                <a:ea typeface="ＭＳ Ｐゴシック" charset="-128"/>
+                <a:cs typeface="ＭＳ Ｐゴシック" charset="-128"/>
+              </a:rPr>
+              <a:t>Dorian (1.3)</a:t>
+            </a:r>
+            <a:endParaRPr lang="en-US" dirty="0">
+              <a:ea typeface="ＭＳ Ｐゴシック" charset="-128"/>
+              <a:cs typeface="ＭＳ Ｐゴシック" charset="-128"/>
+            </a:endParaRPr>
+          </a:p>
+        </p:txBody>
+      </p:sp>
+      <p:sp>
+        <p:nvSpPr>
+          <p:cNvPr id="15363" name="Content Placeholder 2"/>
+          <p:cNvSpPr>
+            <a:spLocks noGrp="1"/>
+          </p:cNvSpPr>
+          <p:nvPr>
+            <p:ph idx="1"/>
+          </p:nvPr>
+        </p:nvSpPr>
+        <p:spPr/>
+        <p:txBody>
+          <a:bodyPr vert="horz"/>
+          <a:lstStyle/>
+          <a:p>
+            <a:r>
+              <a:rPr lang="en-US" sz="2400" dirty="0" smtClean="0">
                 <a:solidFill>
                   <a:schemeClr val="accent6">
                     <a:lumMod val="75000"/>
@@ -24383,14 +24982,117 @@
                 <a:ea typeface="ＭＳ Ｐゴシック" charset="-128"/>
                 <a:cs typeface="ＭＳ Ｐゴシック" charset="-128"/>
               </a:rPr>
-              <a:t>Host Certificates</a:t>
-            </a:r>
-            <a:endParaRPr lang="en-US" sz="2400" smtClean="0">
+              <a:t>Service Interface</a:t>
+            </a:r>
+          </a:p>
+          <a:p>
+            <a:pPr lvl="1"/>
+            <a:r>
+              <a:rPr lang="en-US" sz="2400" dirty="0" smtClean="0">
+                <a:cs typeface="ＭＳ Ｐゴシック" charset="-128"/>
+              </a:rPr>
+              <a:t>Administrative interface changed to address new features and is not backwards compatible</a:t>
+            </a:r>
+          </a:p>
+          <a:p>
+            <a:pPr lvl="1"/>
+            <a:r>
+              <a:rPr lang="en-US" sz="2400" dirty="0" smtClean="0">
+                <a:cs typeface="ＭＳ Ｐゴシック" charset="-128"/>
+              </a:rPr>
+              <a:t>Additional operations added to user interface to support new features, and is backwards compatible.</a:t>
+            </a:r>
+          </a:p>
+          <a:p>
+            <a:r>
+              <a:rPr lang="en-US" sz="2400" dirty="0" smtClean="0">
+                <a:solidFill>
+                  <a:schemeClr val="accent6">
+                    <a:lumMod val="75000"/>
+                  </a:schemeClr>
+                </a:solidFill>
+                <a:cs typeface="ＭＳ Ｐゴシック" charset="-128"/>
+              </a:rPr>
+              <a:t>Client API</a:t>
+            </a:r>
+          </a:p>
+          <a:p>
+            <a:pPr lvl="1"/>
+            <a:r>
+              <a:rPr lang="en-US" sz="2400" dirty="0" smtClean="0">
+                <a:cs typeface="ＭＳ Ｐゴシック" charset="-128"/>
+              </a:rPr>
+              <a:t>New, easier to use User Client API</a:t>
+            </a:r>
+          </a:p>
+          <a:p>
+            <a:pPr lvl="1"/>
+            <a:r>
+              <a:rPr lang="en-US" sz="2400" dirty="0" smtClean="0">
+                <a:cs typeface="ＭＳ Ｐゴシック" charset="-128"/>
+              </a:rPr>
+              <a:t>New, easier to use Administrative Client API</a:t>
+            </a:r>
+          </a:p>
+          <a:p>
+            <a:pPr lvl="1"/>
+            <a:r>
+              <a:rPr lang="en-US" sz="2400" dirty="0" smtClean="0">
+                <a:cs typeface="ＭＳ Ｐゴシック" charset="-128"/>
+              </a:rPr>
+              <a:t>Existing User Client API still supported.</a:t>
+            </a:r>
+          </a:p>
+          <a:p>
+            <a:pPr lvl="1"/>
+            <a:r>
+              <a:rPr lang="en-US" sz="2400" dirty="0" smtClean="0">
+                <a:cs typeface="ＭＳ Ｐゴシック" charset="-128"/>
+              </a:rPr>
+              <a:t>Existing Administrative Client API is no longer supported.</a:t>
+            </a:r>
+          </a:p>
+          <a:p>
+            <a:pPr lvl="1"/>
+            <a:endParaRPr lang="en-US" sz="2400" dirty="0" smtClean="0">
               <a:cs typeface="ＭＳ Ｐゴシック" charset="-128"/>
             </a:endParaRPr>
           </a:p>
           <a:p>
             <a:pPr lvl="1"/>
+            <a:endParaRPr lang="en-US" sz="2400" dirty="0" smtClean="0">
+              <a:ea typeface="ＭＳ Ｐゴシック" charset="-128"/>
+              <a:cs typeface="ＭＳ Ｐゴシック" charset="-128"/>
+            </a:endParaRPr>
+          </a:p>
+          <a:p>
+            <a:pPr lvl="1"/>
+            <a:endParaRPr lang="en-US" sz="2400" dirty="0" smtClean="0">
+              <a:solidFill>
+                <a:schemeClr val="accent6">
+                  <a:lumMod val="75000"/>
+                </a:schemeClr>
+              </a:solidFill>
+              <a:ea typeface="ＭＳ Ｐゴシック" charset="-128"/>
+              <a:cs typeface="ＭＳ Ｐゴシック" charset="-128"/>
+            </a:endParaRPr>
+          </a:p>
+          <a:p>
+            <a:pPr lvl="1"/>
+            <a:endParaRPr lang="en-US" sz="2000" dirty="0" smtClean="0">
+              <a:solidFill>
+                <a:schemeClr val="accent6">
+                  <a:lumMod val="75000"/>
+                </a:schemeClr>
+              </a:solidFill>
+              <a:ea typeface="ＭＳ Ｐゴシック" charset="-128"/>
+              <a:cs typeface="ＭＳ Ｐゴシック" charset="-128"/>
+            </a:endParaRPr>
+          </a:p>
+          <a:p>
+            <a:pPr lvl="1">
+              <a:buNone/>
+            </a:pPr>
             <a:endParaRPr lang="en-US" sz="2400" b="0" dirty="0" smtClean="0">
               <a:ea typeface="ＭＳ Ｐゴシック" charset="-128"/>
               <a:cs typeface="ＭＳ Ｐゴシック" charset="-128"/>
@@ -24400,6 +25102,765 @@
             <a:endParaRPr lang="en-US" sz="2400" b="0" dirty="0">
               <a:ea typeface="ＭＳ Ｐゴシック" charset="-128"/>
               <a:cs typeface="ＭＳ Ｐゴシック" charset="-128"/>
+            </a:endParaRPr>
+          </a:p>
+        </p:txBody>
+      </p:sp>
+    </p:spTree>
+  </p:cSld>
+  <p:clrMapOvr>
+    <a:masterClrMapping/>
+  </p:clrMapOvr>
+  <p:timing>
+    <p:tnLst>
+      <p:par>
+        <p:cTn id="1" dur="indefinite" restart="never" nodeType="tmRoot"/>
+      </p:par>
+    </p:tnLst>
+  </p:timing>
+</p:sld>
+</file>
+
+<file path=ppt/slides/slide36.xml><?xml version="1.0" encoding="utf-8"?>
+<p:sld xmlns:a="http://schemas.openxmlformats.org/drawingml/2006/main" xmlns:r="http://schemas.openxmlformats.org/officeDocument/2006/relationships" xmlns:mc="http://schemas.openxmlformats.org/markup-compatibility/2006" xmlns:mv="urn:schemas-microsoft-com:mac:vml" xmlns:p="http://schemas.openxmlformats.org/presentationml/2006/main" mc:Ignorable="mv" mc:PreserveAttributes="mv:*">
+  <p:cSld>
+    <p:spTree>
+      <p:nvGrpSpPr>
+        <p:cNvPr id="1" name=""/>
+        <p:cNvGrpSpPr/>
+        <p:nvPr/>
+      </p:nvGrpSpPr>
+      <p:grpSpPr>
+        <a:xfrm>
+          <a:off x="0" y="0"/>
+          <a:ext cx="0" cy="0"/>
+          <a:chOff x="0" y="0"/>
+          <a:chExt cx="0" cy="0"/>
+        </a:xfrm>
+      </p:grpSpPr>
+      <p:sp>
+        <p:nvSpPr>
+          <p:cNvPr id="15362" name="Title 1"/>
+          <p:cNvSpPr>
+            <a:spLocks noGrp="1"/>
+          </p:cNvSpPr>
+          <p:nvPr>
+            <p:ph type="title"/>
+          </p:nvPr>
+        </p:nvSpPr>
+        <p:spPr/>
+        <p:txBody>
+          <a:bodyPr/>
+          <a:lstStyle/>
+          <a:p>
+            <a:r>
+              <a:rPr lang="en-US" dirty="0" smtClean="0">
+                <a:ea typeface="ＭＳ Ｐゴシック" charset="-128"/>
+                <a:cs typeface="ＭＳ Ｐゴシック" charset="-128"/>
+              </a:rPr>
+              <a:t>GAARDS UI</a:t>
+            </a:r>
+            <a:r>
+              <a:rPr lang="en-US" dirty="0" smtClean="0">
+                <a:ea typeface="ＭＳ Ｐゴシック" charset="-128"/>
+                <a:cs typeface="ＭＳ Ｐゴシック" charset="-128"/>
+              </a:rPr>
+              <a:t> </a:t>
+            </a:r>
+            <a:r>
+              <a:rPr lang="en-US" dirty="0" smtClean="0">
+                <a:ea typeface="ＭＳ Ｐゴシック" charset="-128"/>
+                <a:cs typeface="ＭＳ Ｐゴシック" charset="-128"/>
+              </a:rPr>
+              <a:t>(1.3)</a:t>
+            </a:r>
+            <a:endParaRPr lang="en-US" dirty="0">
+              <a:ea typeface="ＭＳ Ｐゴシック" charset="-128"/>
+              <a:cs typeface="ＭＳ Ｐゴシック" charset="-128"/>
+            </a:endParaRPr>
+          </a:p>
+        </p:txBody>
+      </p:sp>
+      <p:sp>
+        <p:nvSpPr>
+          <p:cNvPr id="15363" name="Content Placeholder 2"/>
+          <p:cNvSpPr>
+            <a:spLocks noGrp="1"/>
+          </p:cNvSpPr>
+          <p:nvPr>
+            <p:ph idx="1"/>
+          </p:nvPr>
+        </p:nvSpPr>
+        <p:spPr>
+          <a:xfrm>
+            <a:off x="304800" y="1371600"/>
+            <a:ext cx="7620000" cy="4953000"/>
+          </a:xfrm>
+        </p:spPr>
+        <p:txBody>
+          <a:bodyPr vert="horz"/>
+          <a:lstStyle/>
+          <a:p>
+            <a:r>
+              <a:rPr lang="en-US" sz="2400" b="0" dirty="0" smtClean="0">
+                <a:ea typeface="ＭＳ Ｐゴシック" charset="-128"/>
+                <a:cs typeface="ＭＳ Ｐゴシック" charset="-128"/>
+              </a:rPr>
+              <a:t>Auto discovery of Trusted Identity Providers.</a:t>
+            </a:r>
+          </a:p>
+          <a:p>
+            <a:r>
+              <a:rPr lang="en-US" sz="2400" b="0" dirty="0" smtClean="0">
+                <a:ea typeface="ＭＳ Ｐゴシック" charset="-128"/>
+                <a:cs typeface="ＭＳ Ｐゴシック" charset="-128"/>
+              </a:rPr>
+              <a:t>Support for Authentication Profiles</a:t>
+            </a:r>
+          </a:p>
+          <a:p>
+            <a:r>
+              <a:rPr lang="en-US" sz="2400" b="0" dirty="0" smtClean="0">
+                <a:ea typeface="ＭＳ Ｐゴシック" charset="-128"/>
+                <a:cs typeface="ＭＳ Ｐゴシック" charset="-128"/>
+              </a:rPr>
+              <a:t>Enhanced support for MAC OS</a:t>
+            </a:r>
+          </a:p>
+          <a:p>
+            <a:r>
+              <a:rPr lang="en-US" sz="2400" b="0" dirty="0" smtClean="0">
+                <a:ea typeface="ＭＳ Ｐゴシック" charset="-128"/>
+                <a:cs typeface="ＭＳ Ｐゴシック" charset="-128"/>
+              </a:rPr>
+              <a:t>Enhanced support for Linux</a:t>
+            </a:r>
+          </a:p>
+          <a:p>
+            <a:r>
+              <a:rPr lang="en-US" sz="2400" b="0" dirty="0" smtClean="0">
+                <a:ea typeface="ＭＳ Ｐゴシック" charset="-128"/>
+                <a:cs typeface="ＭＳ Ｐゴシック" charset="-128"/>
+              </a:rPr>
+              <a:t>Several usability enhancements</a:t>
+            </a:r>
+            <a:endParaRPr lang="en-US" sz="1800" b="0" dirty="0" smtClean="0">
+              <a:cs typeface="ＭＳ Ｐゴシック" charset="-128"/>
+            </a:endParaRPr>
+          </a:p>
+          <a:p>
+            <a:pPr lvl="1"/>
+            <a:endParaRPr lang="en-US" sz="2000" dirty="0" smtClean="0">
+              <a:solidFill>
+                <a:schemeClr val="accent6">
+                  <a:lumMod val="75000"/>
+                </a:schemeClr>
+              </a:solidFill>
+              <a:ea typeface="ＭＳ Ｐゴシック" charset="-128"/>
+              <a:cs typeface="ＭＳ Ｐゴシック" charset="-128"/>
+            </a:endParaRPr>
+          </a:p>
+          <a:p>
+            <a:pPr lvl="1">
+              <a:buNone/>
+            </a:pPr>
+            <a:endParaRPr lang="en-US" sz="2400" b="0" dirty="0" smtClean="0">
+              <a:ea typeface="ＭＳ Ｐゴシック" charset="-128"/>
+              <a:cs typeface="ＭＳ Ｐゴシック" charset="-128"/>
+            </a:endParaRPr>
+          </a:p>
+          <a:p>
+            <a:endParaRPr lang="en-US" sz="2400" b="0" dirty="0">
+              <a:ea typeface="ＭＳ Ｐゴシック" charset="-128"/>
+              <a:cs typeface="ＭＳ Ｐゴシック" charset="-128"/>
+            </a:endParaRPr>
+          </a:p>
+        </p:txBody>
+      </p:sp>
+    </p:spTree>
+  </p:cSld>
+  <p:clrMapOvr>
+    <a:masterClrMapping/>
+  </p:clrMapOvr>
+  <p:timing>
+    <p:tnLst>
+      <p:par>
+        <p:cTn id="1" dur="indefinite" restart="never" nodeType="tmRoot"/>
+      </p:par>
+    </p:tnLst>
+  </p:timing>
+</p:sld>
+</file>
+
+<file path=ppt/slides/slide37.xml><?xml version="1.0" encoding="utf-8"?>
+<p:sld xmlns:a="http://schemas.openxmlformats.org/drawingml/2006/main" xmlns:r="http://schemas.openxmlformats.org/officeDocument/2006/relationships" xmlns:mc="http://schemas.openxmlformats.org/markup-compatibility/2006" xmlns:mv="urn:schemas-microsoft-com:mac:vml" xmlns:p="http://schemas.openxmlformats.org/presentationml/2006/main" mc:Ignorable="mv" mc:PreserveAttributes="mv:*">
+  <p:cSld>
+    <p:spTree>
+      <p:nvGrpSpPr>
+        <p:cNvPr id="1" name=""/>
+        <p:cNvGrpSpPr/>
+        <p:nvPr/>
+      </p:nvGrpSpPr>
+      <p:grpSpPr>
+        <a:xfrm>
+          <a:off x="0" y="0"/>
+          <a:ext cx="0" cy="0"/>
+          <a:chOff x="0" y="0"/>
+          <a:chExt cx="0" cy="0"/>
+        </a:xfrm>
+      </p:grpSpPr>
+      <p:sp>
+        <p:nvSpPr>
+          <p:cNvPr id="15362" name="Title 1"/>
+          <p:cNvSpPr>
+            <a:spLocks noGrp="1"/>
+          </p:cNvSpPr>
+          <p:nvPr>
+            <p:ph type="title"/>
+          </p:nvPr>
+        </p:nvSpPr>
+        <p:spPr/>
+        <p:txBody>
+          <a:bodyPr/>
+          <a:lstStyle/>
+          <a:p>
+            <a:r>
+              <a:rPr lang="en-US" dirty="0" smtClean="0">
+                <a:ea typeface="ＭＳ Ｐゴシック" charset="-128"/>
+                <a:cs typeface="ＭＳ Ｐゴシック" charset="-128"/>
+              </a:rPr>
+              <a:t>Web Single Sign On </a:t>
+            </a:r>
+            <a:r>
+              <a:rPr lang="en-US" dirty="0" smtClean="0">
+                <a:ea typeface="ＭＳ Ｐゴシック" charset="-128"/>
+                <a:cs typeface="ＭＳ Ｐゴシック" charset="-128"/>
+              </a:rPr>
+              <a:t>(</a:t>
+            </a:r>
+            <a:r>
+              <a:rPr lang="en-US" dirty="0" smtClean="0">
+                <a:ea typeface="ＭＳ Ｐゴシック" charset="-128"/>
+                <a:cs typeface="ＭＳ Ｐゴシック" charset="-128"/>
+              </a:rPr>
+              <a:t>1.3)</a:t>
+            </a:r>
+            <a:endParaRPr lang="en-US" dirty="0">
+              <a:ea typeface="ＭＳ Ｐゴシック" charset="-128"/>
+              <a:cs typeface="ＭＳ Ｐゴシック" charset="-128"/>
+            </a:endParaRPr>
+          </a:p>
+        </p:txBody>
+      </p:sp>
+      <p:sp>
+        <p:nvSpPr>
+          <p:cNvPr id="15363" name="Content Placeholder 2"/>
+          <p:cNvSpPr>
+            <a:spLocks noGrp="1"/>
+          </p:cNvSpPr>
+          <p:nvPr>
+            <p:ph idx="1"/>
+          </p:nvPr>
+        </p:nvSpPr>
+        <p:spPr>
+          <a:xfrm>
+            <a:off x="304800" y="1371600"/>
+            <a:ext cx="8610600" cy="4953000"/>
+          </a:xfrm>
+        </p:spPr>
+        <p:txBody>
+          <a:bodyPr vert="horz"/>
+          <a:lstStyle/>
+          <a:p>
+            <a:r>
+              <a:rPr lang="en-US" sz="2400" b="0" dirty="0" smtClean="0">
+                <a:ea typeface="ＭＳ Ｐゴシック" charset="-128"/>
+                <a:cs typeface="ＭＳ Ｐゴシック" charset="-128"/>
+              </a:rPr>
+              <a:t>Auto discovery of Trusted Identity Providers.</a:t>
+            </a:r>
+          </a:p>
+          <a:p>
+            <a:r>
+              <a:rPr lang="en-US" sz="2400" b="0" dirty="0" smtClean="0">
+                <a:ea typeface="ＭＳ Ｐゴシック" charset="-128"/>
+                <a:cs typeface="ＭＳ Ｐゴシック" charset="-128"/>
+              </a:rPr>
+              <a:t>Support for Authentication Profiles</a:t>
+            </a:r>
+          </a:p>
+          <a:p>
+            <a:r>
+              <a:rPr lang="en-US" sz="2400" b="0" dirty="0" smtClean="0">
+                <a:ea typeface="ＭＳ Ｐゴシック" charset="-128"/>
+                <a:cs typeface="ＭＳ Ｐゴシック" charset="-128"/>
+              </a:rPr>
+              <a:t>Single Sign Out</a:t>
+            </a:r>
+          </a:p>
+          <a:p>
+            <a:r>
+              <a:rPr lang="en-US" sz="2400" b="0" dirty="0" smtClean="0">
+                <a:ea typeface="ＭＳ Ｐゴシック" charset="-128"/>
+                <a:cs typeface="ＭＳ Ｐゴシック" charset="-128"/>
+              </a:rPr>
+              <a:t>Out of the box </a:t>
+            </a:r>
+            <a:r>
+              <a:rPr lang="en-US" sz="2400" b="0" dirty="0" err="1" smtClean="0">
+                <a:ea typeface="ＭＳ Ｐゴシック" charset="-128"/>
+                <a:cs typeface="ＭＳ Ｐゴシック" charset="-128"/>
+              </a:rPr>
+              <a:t>L</a:t>
+            </a:r>
+            <a:r>
+              <a:rPr lang="en-US" sz="2400" b="0" dirty="0" err="1" smtClean="0">
+                <a:ea typeface="ＭＳ Ｐゴシック" charset="-128"/>
+                <a:cs typeface="ＭＳ Ｐゴシック" charset="-128"/>
+              </a:rPr>
+              <a:t>iferay</a:t>
+            </a:r>
+            <a:r>
+              <a:rPr lang="en-US" sz="2400" b="0" dirty="0" smtClean="0">
+                <a:ea typeface="ＭＳ Ｐゴシック" charset="-128"/>
+                <a:cs typeface="ＭＳ Ｐゴシック" charset="-128"/>
+              </a:rPr>
+              <a:t> integration</a:t>
+            </a:r>
+          </a:p>
+          <a:p>
+            <a:r>
+              <a:rPr lang="en-US" sz="2400" b="0" dirty="0" smtClean="0">
+                <a:ea typeface="ＭＳ Ｐゴシック" charset="-128"/>
+                <a:cs typeface="ＭＳ Ｐゴシック" charset="-128"/>
+              </a:rPr>
+              <a:t>Documentation Enhancements</a:t>
+            </a:r>
+          </a:p>
+          <a:p>
+            <a:r>
+              <a:rPr lang="en-US" sz="2400" b="0" dirty="0" smtClean="0">
+                <a:ea typeface="ＭＳ Ｐゴシック" charset="-128"/>
+                <a:cs typeface="ＭＳ Ｐゴシック" charset="-128"/>
+              </a:rPr>
+              <a:t>Systems Tests</a:t>
+            </a:r>
+            <a:endParaRPr lang="en-US" sz="2400" b="0" dirty="0" smtClean="0">
+              <a:ea typeface="ＭＳ Ｐゴシック" charset="-128"/>
+              <a:cs typeface="ＭＳ Ｐゴシック" charset="-128"/>
+            </a:endParaRPr>
+          </a:p>
+          <a:p>
+            <a:endParaRPr lang="en-US" sz="2000" dirty="0" smtClean="0">
+              <a:solidFill>
+                <a:schemeClr val="accent6">
+                  <a:lumMod val="75000"/>
+                </a:schemeClr>
+              </a:solidFill>
+              <a:ea typeface="ＭＳ Ｐゴシック" charset="-128"/>
+              <a:cs typeface="ＭＳ Ｐゴシック" charset="-128"/>
+            </a:endParaRPr>
+          </a:p>
+          <a:p>
+            <a:pPr lvl="1">
+              <a:buNone/>
+            </a:pPr>
+            <a:endParaRPr lang="en-US" sz="2400" b="0" dirty="0" smtClean="0">
+              <a:ea typeface="ＭＳ Ｐゴシック" charset="-128"/>
+              <a:cs typeface="ＭＳ Ｐゴシック" charset="-128"/>
+            </a:endParaRPr>
+          </a:p>
+          <a:p>
+            <a:endParaRPr lang="en-US" sz="2400" b="0" dirty="0">
+              <a:ea typeface="ＭＳ Ｐゴシック" charset="-128"/>
+              <a:cs typeface="ＭＳ Ｐゴシック" charset="-128"/>
+            </a:endParaRPr>
+          </a:p>
+        </p:txBody>
+      </p:sp>
+    </p:spTree>
+  </p:cSld>
+  <p:clrMapOvr>
+    <a:masterClrMapping/>
+  </p:clrMapOvr>
+  <p:timing>
+    <p:tnLst>
+      <p:par>
+        <p:cTn id="1" dur="indefinite" restart="never" nodeType="tmRoot"/>
+      </p:par>
+    </p:tnLst>
+  </p:timing>
+</p:sld>
+</file>
+
+<file path=ppt/slides/slide38.xml><?xml version="1.0" encoding="utf-8"?>
+<p:sld xmlns:a="http://schemas.openxmlformats.org/drawingml/2006/main" xmlns:r="http://schemas.openxmlformats.org/officeDocument/2006/relationships" xmlns:mc="http://schemas.openxmlformats.org/markup-compatibility/2006" xmlns:mv="urn:schemas-microsoft-com:mac:vml" xmlns:p="http://schemas.openxmlformats.org/presentationml/2006/main" mc:Ignorable="mv" mc:PreserveAttributes="mv:*">
+  <p:cSld>
+    <p:spTree>
+      <p:nvGrpSpPr>
+        <p:cNvPr id="1" name=""/>
+        <p:cNvGrpSpPr/>
+        <p:nvPr/>
+      </p:nvGrpSpPr>
+      <p:grpSpPr>
+        <a:xfrm>
+          <a:off x="0" y="0"/>
+          <a:ext cx="0" cy="0"/>
+          <a:chOff x="0" y="0"/>
+          <a:chExt cx="0" cy="0"/>
+        </a:xfrm>
+      </p:grpSpPr>
+      <p:sp>
+        <p:nvSpPr>
+          <p:cNvPr id="58370" name="Rectangle 2"/>
+          <p:cNvSpPr>
+            <a:spLocks noGrp="1" noChangeArrowheads="1"/>
+          </p:cNvSpPr>
+          <p:nvPr>
+            <p:ph type="title"/>
+          </p:nvPr>
+        </p:nvSpPr>
+        <p:spPr>
+          <a:xfrm>
+            <a:off x="0" y="0"/>
+            <a:ext cx="6858000" cy="1066800"/>
+          </a:xfrm>
+        </p:spPr>
+        <p:txBody>
+          <a:bodyPr/>
+          <a:lstStyle/>
+          <a:p>
+            <a:pPr eaLnBrk="1" hangingPunct="1"/>
+            <a:r>
+              <a:rPr lang="en-US" dirty="0">
+                <a:latin typeface="Tahoma" pitchFamily="-65" charset="0"/>
+              </a:rPr>
+              <a:t>Project</a:t>
+            </a:r>
+            <a:r>
+              <a:rPr lang="en-US" dirty="0" smtClean="0">
+                <a:latin typeface="Tahoma" pitchFamily="-65" charset="0"/>
+              </a:rPr>
+              <a:t> Information</a:t>
+            </a:r>
+            <a:endParaRPr lang="en-US" dirty="0">
+              <a:latin typeface="Tahoma" pitchFamily="-65" charset="0"/>
+            </a:endParaRPr>
+          </a:p>
+        </p:txBody>
+      </p:sp>
+      <p:sp>
+        <p:nvSpPr>
+          <p:cNvPr id="81923" name="Rectangle 3"/>
+          <p:cNvSpPr>
+            <a:spLocks noGrp="1" noChangeArrowheads="1"/>
+          </p:cNvSpPr>
+          <p:nvPr>
+            <p:ph idx="1"/>
+          </p:nvPr>
+        </p:nvSpPr>
+        <p:spPr/>
+        <p:txBody>
+          <a:bodyPr/>
+          <a:lstStyle/>
+          <a:p>
+            <a:pPr eaLnBrk="1" hangingPunct="1">
+              <a:lnSpc>
+                <a:spcPct val="80000"/>
+              </a:lnSpc>
+              <a:buClr>
+                <a:srgbClr val="222268"/>
+              </a:buClr>
+            </a:pPr>
+            <a:r>
+              <a:rPr lang="en-US" sz="2000" dirty="0" smtClean="0">
+                <a:solidFill>
+                  <a:schemeClr val="accent6">
+                    <a:lumMod val="75000"/>
+                  </a:schemeClr>
+                </a:solidFill>
+              </a:rPr>
+              <a:t>caGrid Website (</a:t>
+            </a:r>
+            <a:r>
+              <a:rPr lang="en-US" sz="2000" dirty="0" smtClean="0">
+                <a:solidFill>
+                  <a:schemeClr val="accent6">
+                    <a:lumMod val="75000"/>
+                  </a:schemeClr>
+                </a:solidFill>
+                <a:hlinkClick r:id="rId3"/>
+              </a:rPr>
+              <a:t>http</a:t>
+            </a:r>
+            <a:r>
+              <a:rPr lang="en-US" sz="2000" dirty="0" smtClean="0">
+                <a:solidFill>
+                  <a:schemeClr val="accent6">
+                    <a:lumMod val="75000"/>
+                  </a:schemeClr>
+                </a:solidFill>
+                <a:hlinkClick r:id="rId3"/>
+              </a:rPr>
+              <a:t>:/</a:t>
+            </a:r>
+            <a:r>
+              <a:rPr lang="en-US" sz="2000" dirty="0" smtClean="0">
+                <a:solidFill>
+                  <a:schemeClr val="accent6">
+                    <a:lumMod val="75000"/>
+                  </a:schemeClr>
+                </a:solidFill>
+                <a:hlinkClick r:id="rId3"/>
+              </a:rPr>
+              <a:t>/www.</a:t>
+            </a:r>
+            <a:r>
+              <a:rPr lang="en-US" sz="2000" dirty="0" smtClean="0">
+                <a:solidFill>
+                  <a:schemeClr val="accent6">
+                    <a:lumMod val="75000"/>
+                  </a:schemeClr>
+                </a:solidFill>
+                <a:hlinkClick r:id="rId3"/>
+              </a:rPr>
+              <a:t>cagrid.</a:t>
+            </a:r>
+            <a:r>
+              <a:rPr lang="en-US" sz="2000" dirty="0" smtClean="0">
+                <a:solidFill>
+                  <a:schemeClr val="accent6">
+                    <a:lumMod val="75000"/>
+                  </a:schemeClr>
+                </a:solidFill>
+                <a:hlinkClick r:id="rId3"/>
+              </a:rPr>
+              <a:t>org</a:t>
+            </a:r>
+            <a:r>
+              <a:rPr lang="en-US" sz="2000" dirty="0" smtClean="0">
+                <a:solidFill>
+                  <a:schemeClr val="accent6">
+                    <a:lumMod val="75000"/>
+                  </a:schemeClr>
+                </a:solidFill>
+              </a:rPr>
+              <a:t>) </a:t>
+            </a:r>
+          </a:p>
+          <a:p>
+            <a:pPr lvl="1" eaLnBrk="1" hangingPunct="1">
+              <a:lnSpc>
+                <a:spcPct val="80000"/>
+              </a:lnSpc>
+              <a:buClr>
+                <a:srgbClr val="222268"/>
+              </a:buClr>
+            </a:pPr>
+            <a:r>
+              <a:rPr lang="en-US" sz="1800" dirty="0"/>
+              <a:t>Download Software</a:t>
+            </a:r>
+          </a:p>
+          <a:p>
+            <a:pPr lvl="1" eaLnBrk="1" hangingPunct="1">
+              <a:lnSpc>
+                <a:spcPct val="80000"/>
+              </a:lnSpc>
+              <a:buClr>
+                <a:srgbClr val="222268"/>
+              </a:buClr>
+            </a:pPr>
+            <a:r>
+              <a:rPr lang="en-US" sz="1800" dirty="0"/>
+              <a:t>Documentation</a:t>
+            </a:r>
+          </a:p>
+          <a:p>
+            <a:pPr lvl="1" eaLnBrk="1" hangingPunct="1">
+              <a:lnSpc>
+                <a:spcPct val="80000"/>
+              </a:lnSpc>
+              <a:buClr>
+                <a:srgbClr val="222268"/>
+              </a:buClr>
+            </a:pPr>
+            <a:r>
+              <a:rPr lang="en-US" sz="1800" dirty="0"/>
+              <a:t>Tutorials</a:t>
+            </a:r>
+          </a:p>
+          <a:p>
+            <a:pPr lvl="1" eaLnBrk="1" hangingPunct="1">
+              <a:lnSpc>
+                <a:spcPct val="80000"/>
+              </a:lnSpc>
+              <a:buClr>
+                <a:srgbClr val="222268"/>
+              </a:buClr>
+            </a:pPr>
+            <a:r>
+              <a:rPr lang="en-US" sz="1800" dirty="0"/>
+              <a:t>Technical Paper and </a:t>
+            </a:r>
+            <a:r>
+              <a:rPr lang="en-US" sz="1800" dirty="0" smtClean="0"/>
+              <a:t>Presentations</a:t>
+            </a:r>
+          </a:p>
+          <a:p>
+            <a:pPr lvl="1" eaLnBrk="1" hangingPunct="1">
+              <a:lnSpc>
+                <a:spcPct val="80000"/>
+              </a:lnSpc>
+              <a:buClr>
+                <a:srgbClr val="222268"/>
+              </a:buClr>
+              <a:buFontTx/>
+              <a:buNone/>
+            </a:pPr>
+            <a:endParaRPr lang="en-US" sz="1800" dirty="0" smtClean="0"/>
+          </a:p>
+          <a:p>
+            <a:pPr eaLnBrk="1" hangingPunct="1">
+              <a:lnSpc>
+                <a:spcPct val="80000"/>
+              </a:lnSpc>
+              <a:buClr>
+                <a:srgbClr val="222268"/>
+              </a:buClr>
+            </a:pPr>
+            <a:r>
+              <a:rPr lang="en-US" sz="2000" dirty="0" smtClean="0">
+                <a:solidFill>
+                  <a:schemeClr val="accent6">
+                    <a:lumMod val="75000"/>
+                  </a:schemeClr>
+                </a:solidFill>
+              </a:rPr>
+              <a:t>caGrid Knowledge Center (http://</a:t>
+            </a:r>
+            <a:r>
+              <a:rPr lang="en-US" sz="2000" dirty="0" err="1" smtClean="0">
+                <a:solidFill>
+                  <a:schemeClr val="accent6">
+                    <a:lumMod val="75000"/>
+                  </a:schemeClr>
+                </a:solidFill>
+              </a:rPr>
+              <a:t>knowledge.cagrid.org</a:t>
+            </a:r>
+            <a:r>
+              <a:rPr lang="en-US" sz="2000" dirty="0" smtClean="0">
+                <a:solidFill>
+                  <a:schemeClr val="accent6">
+                    <a:lumMod val="75000"/>
+                  </a:schemeClr>
+                </a:solidFill>
+              </a:rPr>
+              <a:t>) </a:t>
+            </a:r>
+          </a:p>
+          <a:p>
+            <a:pPr lvl="1" eaLnBrk="1" hangingPunct="1">
+              <a:lnSpc>
+                <a:spcPct val="80000"/>
+              </a:lnSpc>
+              <a:buClr>
+                <a:srgbClr val="222268"/>
+              </a:buClr>
+            </a:pPr>
+            <a:r>
+              <a:rPr lang="en-US" dirty="0" smtClean="0"/>
+              <a:t>Technical Support and Guidance</a:t>
+            </a:r>
+          </a:p>
+          <a:p>
+            <a:pPr lvl="1" eaLnBrk="1" hangingPunct="1">
+              <a:lnSpc>
+                <a:spcPct val="80000"/>
+              </a:lnSpc>
+              <a:buClr>
+                <a:srgbClr val="222268"/>
+              </a:buClr>
+            </a:pPr>
+            <a:endParaRPr lang="en-US" sz="1800" dirty="0" smtClean="0"/>
+          </a:p>
+          <a:p>
+            <a:pPr lvl="1" eaLnBrk="1" hangingPunct="1">
+              <a:lnSpc>
+                <a:spcPct val="80000"/>
+              </a:lnSpc>
+              <a:buClr>
+                <a:srgbClr val="222268"/>
+              </a:buClr>
+              <a:buNone/>
+            </a:pPr>
+            <a:endParaRPr lang="en-US" sz="1800" dirty="0" smtClean="0"/>
+          </a:p>
+          <a:p>
+            <a:pPr eaLnBrk="1" hangingPunct="1">
+              <a:lnSpc>
+                <a:spcPct val="80000"/>
+              </a:lnSpc>
+              <a:buClr>
+                <a:srgbClr val="222268"/>
+              </a:buClr>
+            </a:pPr>
+            <a:r>
+              <a:rPr lang="en-US" sz="2000" dirty="0">
+                <a:solidFill>
+                  <a:srgbClr val="222268"/>
+                </a:solidFill>
+              </a:rPr>
+              <a:t>caGrid Users Mailing List</a:t>
+            </a:r>
+          </a:p>
+          <a:p>
+            <a:pPr lvl="1" eaLnBrk="1" hangingPunct="1">
+              <a:lnSpc>
+                <a:spcPct val="80000"/>
+              </a:lnSpc>
+              <a:buClr>
+                <a:srgbClr val="222268"/>
+              </a:buClr>
+            </a:pPr>
+            <a:r>
+              <a:rPr lang="en-US" sz="1800" dirty="0">
+                <a:hlinkClick r:id="rId4"/>
+              </a:rPr>
+              <a:t>https://list.nih.gov/archives/cagrid_users-l.html</a:t>
+            </a:r>
+            <a:endParaRPr lang="en-US" sz="1800" dirty="0"/>
+          </a:p>
+          <a:p>
+            <a:pPr lvl="1" eaLnBrk="1" hangingPunct="1">
+              <a:lnSpc>
+                <a:spcPct val="80000"/>
+              </a:lnSpc>
+              <a:buClr>
+                <a:srgbClr val="222268"/>
+              </a:buClr>
+            </a:pPr>
+            <a:r>
+              <a:rPr lang="en-US" sz="1800" dirty="0">
+                <a:hlinkClick r:id="rId5"/>
+              </a:rPr>
+              <a:t>cagrid_users-l@list.nih.gov</a:t>
+            </a:r>
+            <a:endParaRPr lang="en-US" sz="1800" dirty="0"/>
+          </a:p>
+          <a:p>
+            <a:pPr lvl="1" eaLnBrk="1" hangingPunct="1">
+              <a:lnSpc>
+                <a:spcPct val="80000"/>
+              </a:lnSpc>
+              <a:buClr>
+                <a:srgbClr val="222268"/>
+              </a:buClr>
+            </a:pPr>
+            <a:endParaRPr lang="en-US" sz="1600" dirty="0">
+              <a:latin typeface="Tahoma" pitchFamily="-65" charset="0"/>
             </a:endParaRPr>
           </a:p>
         </p:txBody>
